--- a/Présentation.pptx
+++ b/Présentation.pptx
@@ -5,7 +5,7 @@
     <p:sldMasterId id="2147483648" r:id="rId1"/>
   </p:sldMasterIdLst>
   <p:notesMasterIdLst>
-    <p:notesMasterId r:id="rId12"/>
+    <p:notesMasterId r:id="rId14"/>
   </p:notesMasterIdLst>
   <p:sldIdLst>
     <p:sldId id="257" r:id="rId2"/>
@@ -18,6 +18,8 @@
     <p:sldId id="265" r:id="rId9"/>
     <p:sldId id="266" r:id="rId10"/>
     <p:sldId id="267" r:id="rId11"/>
+    <p:sldId id="269" r:id="rId12"/>
+    <p:sldId id="270" r:id="rId13"/>
   </p:sldIdLst>
   <p:sldSz cx="12192000" cy="6858000"/>
   <p:notesSz cx="6858000" cy="9144000"/>
@@ -116,6 +118,11 @@
       </a:defRPr>
     </a:lvl9pPr>
   </p:defaultTextStyle>
+  <p:extLst>
+    <p:ext uri="{EFAFB233-063F-42B5-8137-9DF3F51BA10A}">
+      <p15:sldGuideLst xmlns:p15="http://schemas.microsoft.com/office/powerpoint/2012/main"/>
+    </p:ext>
+  </p:extLst>
 </p:presentation>
 </file>
 
@@ -129,6 +136,80 @@
     </p:extLst>
   </p:cmAuthor>
 </p:cmAuthorLst>
+</file>
+
+<file path=ppt/changesInfos/changesInfo1.xml><?xml version="1.0" encoding="utf-8"?>
+<pc:chgInfo xmlns:a="http://schemas.openxmlformats.org/drawingml/2006/main" xmlns:r="http://schemas.openxmlformats.org/officeDocument/2006/relationships" xmlns:ac="http://schemas.microsoft.com/office/drawing/2013/main/command" xmlns:pc="http://schemas.microsoft.com/office/powerpoint/2013/main/command">
+  <pc:docChgLst>
+    <pc:chgData name="Maxime Charriere" userId="01c31a1cfc8e0b17" providerId="LiveId" clId="{86BC3E1D-4880-4BE5-9A32-9F021E124426}"/>
+    <pc:docChg chg="custSel addSld delSld modSld">
+      <pc:chgData name="Maxime Charriere" userId="01c31a1cfc8e0b17" providerId="LiveId" clId="{86BC3E1D-4880-4BE5-9A32-9F021E124426}" dt="2020-01-23T13:47:30.271" v="20" actId="115"/>
+      <pc:docMkLst>
+        <pc:docMk/>
+      </pc:docMkLst>
+      <pc:sldChg chg="modSp">
+        <pc:chgData name="Maxime Charriere" userId="01c31a1cfc8e0b17" providerId="LiveId" clId="{86BC3E1D-4880-4BE5-9A32-9F021E124426}" dt="2020-01-23T12:34:38.494" v="0" actId="14826"/>
+        <pc:sldMkLst>
+          <pc:docMk/>
+          <pc:sldMk cId="4001677176" sldId="257"/>
+        </pc:sldMkLst>
+        <pc:picChg chg="mod">
+          <ac:chgData name="Maxime Charriere" userId="01c31a1cfc8e0b17" providerId="LiveId" clId="{86BC3E1D-4880-4BE5-9A32-9F021E124426}" dt="2020-01-23T12:34:38.494" v="0" actId="14826"/>
+          <ac:picMkLst>
+            <pc:docMk/>
+            <pc:sldMk cId="4001677176" sldId="257"/>
+            <ac:picMk id="5" creationId="{CEEDAD04-30C3-4C9F-928E-CB011CB83508}"/>
+          </ac:picMkLst>
+        </pc:picChg>
+      </pc:sldChg>
+      <pc:sldChg chg="add del">
+        <pc:chgData name="Maxime Charriere" userId="01c31a1cfc8e0b17" providerId="LiveId" clId="{86BC3E1D-4880-4BE5-9A32-9F021E124426}" dt="2020-01-23T13:39:11.835" v="3" actId="47"/>
+        <pc:sldMkLst>
+          <pc:docMk/>
+          <pc:sldMk cId="3250731670" sldId="268"/>
+        </pc:sldMkLst>
+      </pc:sldChg>
+      <pc:sldChg chg="modSp add">
+        <pc:chgData name="Maxime Charriere" userId="01c31a1cfc8e0b17" providerId="LiveId" clId="{86BC3E1D-4880-4BE5-9A32-9F021E124426}" dt="2020-01-23T13:39:29.402" v="6" actId="1076"/>
+        <pc:sldMkLst>
+          <pc:docMk/>
+          <pc:sldMk cId="4093901458" sldId="269"/>
+        </pc:sldMkLst>
+        <pc:picChg chg="mod">
+          <ac:chgData name="Maxime Charriere" userId="01c31a1cfc8e0b17" providerId="LiveId" clId="{86BC3E1D-4880-4BE5-9A32-9F021E124426}" dt="2020-01-23T13:39:29.402" v="6" actId="1076"/>
+          <ac:picMkLst>
+            <pc:docMk/>
+            <pc:sldMk cId="4093901458" sldId="269"/>
+            <ac:picMk id="9" creationId="{7282A722-33AA-439E-B64A-29C1DD86AB68}"/>
+          </ac:picMkLst>
+        </pc:picChg>
+      </pc:sldChg>
+      <pc:sldChg chg="addSp delSp modSp add">
+        <pc:chgData name="Maxime Charriere" userId="01c31a1cfc8e0b17" providerId="LiveId" clId="{86BC3E1D-4880-4BE5-9A32-9F021E124426}" dt="2020-01-23T13:47:30.271" v="20" actId="115"/>
+        <pc:sldMkLst>
+          <pc:docMk/>
+          <pc:sldMk cId="2458735871" sldId="270"/>
+        </pc:sldMkLst>
+        <pc:spChg chg="add mod">
+          <ac:chgData name="Maxime Charriere" userId="01c31a1cfc8e0b17" providerId="LiveId" clId="{86BC3E1D-4880-4BE5-9A32-9F021E124426}" dt="2020-01-23T13:47:30.271" v="20" actId="115"/>
+          <ac:spMkLst>
+            <pc:docMk/>
+            <pc:sldMk cId="2458735871" sldId="270"/>
+            <ac:spMk id="8" creationId="{27A31B2F-F50F-4A70-8D96-2FCCC4D68D5E}"/>
+          </ac:spMkLst>
+        </pc:spChg>
+        <pc:picChg chg="del">
+          <ac:chgData name="Maxime Charriere" userId="01c31a1cfc8e0b17" providerId="LiveId" clId="{86BC3E1D-4880-4BE5-9A32-9F021E124426}" dt="2020-01-23T13:46:27.938" v="8" actId="478"/>
+          <ac:picMkLst>
+            <pc:docMk/>
+            <pc:sldMk cId="2458735871" sldId="270"/>
+            <ac:picMk id="9" creationId="{7282A722-33AA-439E-B64A-29C1DD86AB68}"/>
+          </ac:picMkLst>
+        </pc:picChg>
+      </pc:sldChg>
+    </pc:docChg>
+  </pc:docChgLst>
+</pc:chgInfo>
 </file>
 
 <file path=ppt/notesMasters/notesMaster1.xml><?xml version="1.0" encoding="utf-8"?>
@@ -213,7 +294,7 @@
           <a:p>
             <a:fld id="{790BB7D7-D3B7-4707-8541-BE3BC4932407}" type="datetimeFigureOut">
               <a:rPr lang="fr-CH" smtClean="0"/>
-              <a:t>21.01.2020</a:t>
+              <a:t>23.01.2020</a:t>
             </a:fld>
             <a:endParaRPr lang="fr-CH"/>
           </a:p>
@@ -580,6 +661,180 @@
 </p:notes>
 </file>
 
+<file path=ppt/notesSlides/notesSlide10.xml><?xml version="1.0" encoding="utf-8"?>
+<p:notes xmlns:a="http://schemas.openxmlformats.org/drawingml/2006/main" xmlns:r="http://schemas.openxmlformats.org/officeDocument/2006/relationships" xmlns:p="http://schemas.openxmlformats.org/presentationml/2006/main">
+  <p:cSld>
+    <p:spTree>
+      <p:nvGrpSpPr>
+        <p:cNvPr id="1" name=""/>
+        <p:cNvGrpSpPr/>
+        <p:nvPr/>
+      </p:nvGrpSpPr>
+      <p:grpSpPr>
+        <a:xfrm>
+          <a:off x="0" y="0"/>
+          <a:ext cx="0" cy="0"/>
+          <a:chOff x="0" y="0"/>
+          <a:chExt cx="0" cy="0"/>
+        </a:xfrm>
+      </p:grpSpPr>
+      <p:sp>
+        <p:nvSpPr>
+          <p:cNvPr id="2" name="Espace réservé de l'image des diapositives 1"/>
+          <p:cNvSpPr>
+            <a:spLocks noGrp="1" noRot="1" noChangeAspect="1"/>
+          </p:cNvSpPr>
+          <p:nvPr>
+            <p:ph type="sldImg"/>
+          </p:nvPr>
+        </p:nvSpPr>
+        <p:spPr/>
+      </p:sp>
+      <p:sp>
+        <p:nvSpPr>
+          <p:cNvPr id="3" name="Espace réservé des notes 2"/>
+          <p:cNvSpPr>
+            <a:spLocks noGrp="1"/>
+          </p:cNvSpPr>
+          <p:nvPr>
+            <p:ph type="body" idx="1"/>
+          </p:nvPr>
+        </p:nvSpPr>
+        <p:spPr/>
+        <p:txBody>
+          <a:bodyPr/>
+          <a:lstStyle/>
+          <a:p>
+            <a:r>
+              <a:rPr lang="fr-CH" dirty="0"/>
+              <a:t>Pour rappel le premier …</a:t>
+            </a:r>
+          </a:p>
+        </p:txBody>
+      </p:sp>
+      <p:sp>
+        <p:nvSpPr>
+          <p:cNvPr id="4" name="Espace réservé du numéro de diapositive 3"/>
+          <p:cNvSpPr>
+            <a:spLocks noGrp="1"/>
+          </p:cNvSpPr>
+          <p:nvPr>
+            <p:ph type="sldNum" sz="quarter" idx="5"/>
+          </p:nvPr>
+        </p:nvSpPr>
+        <p:spPr/>
+        <p:txBody>
+          <a:bodyPr/>
+          <a:lstStyle/>
+          <a:p>
+            <a:fld id="{F342191D-8B3C-4A6A-949B-4AF66721858D}" type="slidenum">
+              <a:rPr lang="fr-CH" smtClean="0"/>
+              <a:t>11</a:t>
+            </a:fld>
+            <a:endParaRPr lang="fr-CH"/>
+          </a:p>
+        </p:txBody>
+      </p:sp>
+    </p:spTree>
+    <p:extLst>
+      <p:ext uri="{BB962C8B-B14F-4D97-AF65-F5344CB8AC3E}">
+        <p14:creationId xmlns:p14="http://schemas.microsoft.com/office/powerpoint/2010/main" val="414355748"/>
+      </p:ext>
+    </p:extLst>
+  </p:cSld>
+  <p:clrMapOvr>
+    <a:masterClrMapping/>
+  </p:clrMapOvr>
+</p:notes>
+</file>
+
+<file path=ppt/notesSlides/notesSlide11.xml><?xml version="1.0" encoding="utf-8"?>
+<p:notes xmlns:a="http://schemas.openxmlformats.org/drawingml/2006/main" xmlns:r="http://schemas.openxmlformats.org/officeDocument/2006/relationships" xmlns:p="http://schemas.openxmlformats.org/presentationml/2006/main">
+  <p:cSld>
+    <p:spTree>
+      <p:nvGrpSpPr>
+        <p:cNvPr id="1" name=""/>
+        <p:cNvGrpSpPr/>
+        <p:nvPr/>
+      </p:nvGrpSpPr>
+      <p:grpSpPr>
+        <a:xfrm>
+          <a:off x="0" y="0"/>
+          <a:ext cx="0" cy="0"/>
+          <a:chOff x="0" y="0"/>
+          <a:chExt cx="0" cy="0"/>
+        </a:xfrm>
+      </p:grpSpPr>
+      <p:sp>
+        <p:nvSpPr>
+          <p:cNvPr id="2" name="Espace réservé de l'image des diapositives 1"/>
+          <p:cNvSpPr>
+            <a:spLocks noGrp="1" noRot="1" noChangeAspect="1"/>
+          </p:cNvSpPr>
+          <p:nvPr>
+            <p:ph type="sldImg"/>
+          </p:nvPr>
+        </p:nvSpPr>
+        <p:spPr/>
+      </p:sp>
+      <p:sp>
+        <p:nvSpPr>
+          <p:cNvPr id="3" name="Espace réservé des notes 2"/>
+          <p:cNvSpPr>
+            <a:spLocks noGrp="1"/>
+          </p:cNvSpPr>
+          <p:nvPr>
+            <p:ph type="body" idx="1"/>
+          </p:nvPr>
+        </p:nvSpPr>
+        <p:spPr/>
+        <p:txBody>
+          <a:bodyPr/>
+          <a:lstStyle/>
+          <a:p>
+            <a:r>
+              <a:rPr lang="fr-CH" dirty="0"/>
+              <a:t>Pour rappel le premier …</a:t>
+            </a:r>
+          </a:p>
+        </p:txBody>
+      </p:sp>
+      <p:sp>
+        <p:nvSpPr>
+          <p:cNvPr id="4" name="Espace réservé du numéro de diapositive 3"/>
+          <p:cNvSpPr>
+            <a:spLocks noGrp="1"/>
+          </p:cNvSpPr>
+          <p:nvPr>
+            <p:ph type="sldNum" sz="quarter" idx="5"/>
+          </p:nvPr>
+        </p:nvSpPr>
+        <p:spPr/>
+        <p:txBody>
+          <a:bodyPr/>
+          <a:lstStyle/>
+          <a:p>
+            <a:fld id="{F342191D-8B3C-4A6A-949B-4AF66721858D}" type="slidenum">
+              <a:rPr lang="fr-CH" smtClean="0"/>
+              <a:t>12</a:t>
+            </a:fld>
+            <a:endParaRPr lang="fr-CH"/>
+          </a:p>
+        </p:txBody>
+      </p:sp>
+    </p:spTree>
+    <p:extLst>
+      <p:ext uri="{BB962C8B-B14F-4D97-AF65-F5344CB8AC3E}">
+        <p14:creationId xmlns:p14="http://schemas.microsoft.com/office/powerpoint/2010/main" val="2649640954"/>
+      </p:ext>
+    </p:extLst>
+  </p:cSld>
+  <p:clrMapOvr>
+    <a:masterClrMapping/>
+  </p:clrMapOvr>
+</p:notes>
+</file>
+
 <file path=ppt/notesSlides/notesSlide2.xml><?xml version="1.0" encoding="utf-8"?>
 <p:notes xmlns:a="http://schemas.openxmlformats.org/drawingml/2006/main" xmlns:r="http://schemas.openxmlformats.org/officeDocument/2006/relationships" xmlns:p="http://schemas.openxmlformats.org/presentationml/2006/main">
   <p:cSld>
@@ -1425,7 +1680,7 @@
           <a:p>
             <a:fld id="{219C6990-914C-4659-BBAA-0F2AFCE67E89}" type="datetimeFigureOut">
               <a:rPr lang="fr-CH" smtClean="0"/>
-              <a:t>21.01.2020</a:t>
+              <a:t>23.01.2020</a:t>
             </a:fld>
             <a:endParaRPr lang="fr-CH"/>
           </a:p>
@@ -1625,7 +1880,7 @@
           <a:p>
             <a:fld id="{219C6990-914C-4659-BBAA-0F2AFCE67E89}" type="datetimeFigureOut">
               <a:rPr lang="fr-CH" smtClean="0"/>
-              <a:t>21.01.2020</a:t>
+              <a:t>23.01.2020</a:t>
             </a:fld>
             <a:endParaRPr lang="fr-CH"/>
           </a:p>
@@ -1835,7 +2090,7 @@
           <a:p>
             <a:fld id="{219C6990-914C-4659-BBAA-0F2AFCE67E89}" type="datetimeFigureOut">
               <a:rPr lang="fr-CH" smtClean="0"/>
-              <a:t>21.01.2020</a:t>
+              <a:t>23.01.2020</a:t>
             </a:fld>
             <a:endParaRPr lang="fr-CH"/>
           </a:p>
@@ -2035,7 +2290,7 @@
           <a:p>
             <a:fld id="{219C6990-914C-4659-BBAA-0F2AFCE67E89}" type="datetimeFigureOut">
               <a:rPr lang="fr-CH" smtClean="0"/>
-              <a:t>21.01.2020</a:t>
+              <a:t>23.01.2020</a:t>
             </a:fld>
             <a:endParaRPr lang="fr-CH"/>
           </a:p>
@@ -2311,7 +2566,7 @@
           <a:p>
             <a:fld id="{219C6990-914C-4659-BBAA-0F2AFCE67E89}" type="datetimeFigureOut">
               <a:rPr lang="fr-CH" smtClean="0"/>
-              <a:t>21.01.2020</a:t>
+              <a:t>23.01.2020</a:t>
             </a:fld>
             <a:endParaRPr lang="fr-CH"/>
           </a:p>
@@ -2579,7 +2834,7 @@
           <a:p>
             <a:fld id="{219C6990-914C-4659-BBAA-0F2AFCE67E89}" type="datetimeFigureOut">
               <a:rPr lang="fr-CH" smtClean="0"/>
-              <a:t>21.01.2020</a:t>
+              <a:t>23.01.2020</a:t>
             </a:fld>
             <a:endParaRPr lang="fr-CH"/>
           </a:p>
@@ -2994,7 +3249,7 @@
           <a:p>
             <a:fld id="{219C6990-914C-4659-BBAA-0F2AFCE67E89}" type="datetimeFigureOut">
               <a:rPr lang="fr-CH" smtClean="0"/>
-              <a:t>21.01.2020</a:t>
+              <a:t>23.01.2020</a:t>
             </a:fld>
             <a:endParaRPr lang="fr-CH"/>
           </a:p>
@@ -3136,7 +3391,7 @@
           <a:p>
             <a:fld id="{219C6990-914C-4659-BBAA-0F2AFCE67E89}" type="datetimeFigureOut">
               <a:rPr lang="fr-CH" smtClean="0"/>
-              <a:t>21.01.2020</a:t>
+              <a:t>23.01.2020</a:t>
             </a:fld>
             <a:endParaRPr lang="fr-CH"/>
           </a:p>
@@ -3249,7 +3504,7 @@
           <a:p>
             <a:fld id="{219C6990-914C-4659-BBAA-0F2AFCE67E89}" type="datetimeFigureOut">
               <a:rPr lang="fr-CH" smtClean="0"/>
-              <a:t>21.01.2020</a:t>
+              <a:t>23.01.2020</a:t>
             </a:fld>
             <a:endParaRPr lang="fr-CH"/>
           </a:p>
@@ -3562,7 +3817,7 @@
           <a:p>
             <a:fld id="{219C6990-914C-4659-BBAA-0F2AFCE67E89}" type="datetimeFigureOut">
               <a:rPr lang="fr-CH" smtClean="0"/>
-              <a:t>21.01.2020</a:t>
+              <a:t>23.01.2020</a:t>
             </a:fld>
             <a:endParaRPr lang="fr-CH"/>
           </a:p>
@@ -3851,7 +4106,7 @@
           <a:p>
             <a:fld id="{219C6990-914C-4659-BBAA-0F2AFCE67E89}" type="datetimeFigureOut">
               <a:rPr lang="fr-CH" smtClean="0"/>
-              <a:t>21.01.2020</a:t>
+              <a:t>23.01.2020</a:t>
             </a:fld>
             <a:endParaRPr lang="fr-CH"/>
           </a:p>
@@ -4094,7 +4349,7 @@
           <a:p>
             <a:fld id="{219C6990-914C-4659-BBAA-0F2AFCE67E89}" type="datetimeFigureOut">
               <a:rPr lang="fr-CH" smtClean="0"/>
-              <a:t>21.01.2020</a:t>
+              <a:t>23.01.2020</a:t>
             </a:fld>
             <a:endParaRPr lang="fr-CH"/>
           </a:p>
@@ -4533,14 +4788,13 @@
               </a:ext>
             </a:extLst>
           </a:blip>
-          <a:stretch>
-            <a:fillRect/>
-          </a:stretch>
+          <a:srcRect/>
+          <a:stretch/>
         </p:blipFill>
         <p:spPr>
           <a:xfrm>
             <a:off x="385956" y="0"/>
-            <a:ext cx="11420087" cy="6858000"/>
+            <a:ext cx="11420086" cy="6858000"/>
           </a:xfrm>
           <a:prstGeom prst="rect">
             <a:avLst/>
@@ -4730,6 +4984,369 @@
     <p:extLst>
       <p:ext uri="{BB962C8B-B14F-4D97-AF65-F5344CB8AC3E}">
         <p14:creationId xmlns:p14="http://schemas.microsoft.com/office/powerpoint/2010/main" val="1611565538"/>
+      </p:ext>
+    </p:extLst>
+  </p:cSld>
+  <p:clrMapOvr>
+    <a:masterClrMapping/>
+  </p:clrMapOvr>
+</p:sld>
+</file>
+
+<file path=ppt/slides/slide11.xml><?xml version="1.0" encoding="utf-8"?>
+<p:sld xmlns:a="http://schemas.openxmlformats.org/drawingml/2006/main" xmlns:r="http://schemas.openxmlformats.org/officeDocument/2006/relationships" xmlns:p="http://schemas.openxmlformats.org/presentationml/2006/main">
+  <p:cSld>
+    <p:spTree>
+      <p:nvGrpSpPr>
+        <p:cNvPr id="1" name=""/>
+        <p:cNvGrpSpPr/>
+        <p:nvPr/>
+      </p:nvGrpSpPr>
+      <p:grpSpPr>
+        <a:xfrm>
+          <a:off x="0" y="0"/>
+          <a:ext cx="0" cy="0"/>
+          <a:chOff x="0" y="0"/>
+          <a:chExt cx="0" cy="0"/>
+        </a:xfrm>
+      </p:grpSpPr>
+      <p:pic>
+        <p:nvPicPr>
+          <p:cNvPr id="7" name="Image 6">
+            <a:extLst>
+              <a:ext uri="{FF2B5EF4-FFF2-40B4-BE49-F238E27FC236}">
+                <a16:creationId xmlns:a16="http://schemas.microsoft.com/office/drawing/2014/main" id="{542405F3-984A-415A-AC50-8A9E1F38E6B5}"/>
+              </a:ext>
+            </a:extLst>
+          </p:cNvPr>
+          <p:cNvPicPr>
+            <a:picLocks noChangeAspect="1"/>
+          </p:cNvPicPr>
+          <p:nvPr/>
+        </p:nvPicPr>
+        <p:blipFill>
+          <a:blip r:embed="rId3">
+            <a:extLst>
+              <a:ext uri="{28A0092B-C50C-407E-A947-70E740481C1C}">
+                <a14:useLocalDpi xmlns:a14="http://schemas.microsoft.com/office/drawing/2010/main" val="0"/>
+              </a:ext>
+            </a:extLst>
+          </a:blip>
+          <a:stretch>
+            <a:fillRect/>
+          </a:stretch>
+        </p:blipFill>
+        <p:spPr>
+          <a:xfrm>
+            <a:off x="207449" y="102532"/>
+            <a:ext cx="799230" cy="799230"/>
+          </a:xfrm>
+          <a:prstGeom prst="rect">
+            <a:avLst/>
+          </a:prstGeom>
+        </p:spPr>
+      </p:pic>
+      <p:sp>
+        <p:nvSpPr>
+          <p:cNvPr id="4" name="ZoneTexte 3">
+            <a:extLst>
+              <a:ext uri="{FF2B5EF4-FFF2-40B4-BE49-F238E27FC236}">
+                <a16:creationId xmlns:a16="http://schemas.microsoft.com/office/drawing/2014/main" id="{64A95A07-1658-4B41-8A51-136C93B9279B}"/>
+              </a:ext>
+            </a:extLst>
+          </p:cNvPr>
+          <p:cNvSpPr txBox="1"/>
+          <p:nvPr/>
+        </p:nvSpPr>
+        <p:spPr>
+          <a:xfrm>
+            <a:off x="9436338" y="536625"/>
+            <a:ext cx="2273956" cy="461665"/>
+          </a:xfrm>
+          <a:prstGeom prst="rect">
+            <a:avLst/>
+          </a:prstGeom>
+          <a:noFill/>
+        </p:spPr>
+        <p:txBody>
+          <a:bodyPr wrap="none" rtlCol="0">
+            <a:spAutoFit/>
+          </a:bodyPr>
+          <a:lstStyle/>
+          <a:p>
+            <a:r>
+              <a:rPr lang="fr-CH" sz="2400" b="1" i="1" dirty="0">
+                <a:latin typeface="Helvetica LT Std" panose="020B0504020202020204" pitchFamily="34" charset="0"/>
+              </a:rPr>
+              <a:t>Paint Manager</a:t>
+            </a:r>
+          </a:p>
+        </p:txBody>
+      </p:sp>
+      <p:cxnSp>
+        <p:nvCxnSpPr>
+          <p:cNvPr id="6" name="Connecteur droit 5">
+            <a:extLst>
+              <a:ext uri="{FF2B5EF4-FFF2-40B4-BE49-F238E27FC236}">
+                <a16:creationId xmlns:a16="http://schemas.microsoft.com/office/drawing/2014/main" id="{B7E88062-DC49-4855-8F75-AD5C0CEF4E7E}"/>
+              </a:ext>
+            </a:extLst>
+          </p:cNvPr>
+          <p:cNvCxnSpPr/>
+          <p:nvPr/>
+        </p:nvCxnSpPr>
+        <p:spPr>
+          <a:xfrm>
+            <a:off x="207433" y="998290"/>
+            <a:ext cx="11453264" cy="0"/>
+          </a:xfrm>
+          <a:prstGeom prst="line">
+            <a:avLst/>
+          </a:prstGeom>
+          <a:ln>
+            <a:solidFill>
+              <a:srgbClr val="00A6DC"/>
+            </a:solidFill>
+          </a:ln>
+        </p:spPr>
+        <p:style>
+          <a:lnRef idx="1">
+            <a:schemeClr val="accent1"/>
+          </a:lnRef>
+          <a:fillRef idx="0">
+            <a:schemeClr val="accent1"/>
+          </a:fillRef>
+          <a:effectRef idx="0">
+            <a:schemeClr val="accent1"/>
+          </a:effectRef>
+          <a:fontRef idx="minor">
+            <a:schemeClr val="tx1"/>
+          </a:fontRef>
+        </p:style>
+      </p:cxnSp>
+      <p:pic>
+        <p:nvPicPr>
+          <p:cNvPr id="9" name="Image 8">
+            <a:extLst>
+              <a:ext uri="{FF2B5EF4-FFF2-40B4-BE49-F238E27FC236}">
+                <a16:creationId xmlns:a16="http://schemas.microsoft.com/office/drawing/2014/main" id="{7282A722-33AA-439E-B64A-29C1DD86AB68}"/>
+              </a:ext>
+            </a:extLst>
+          </p:cNvPr>
+          <p:cNvPicPr>
+            <a:picLocks noChangeAspect="1"/>
+          </p:cNvPicPr>
+          <p:nvPr/>
+        </p:nvPicPr>
+        <p:blipFill>
+          <a:blip r:embed="rId4">
+            <a:extLst>
+              <a:ext uri="{28A0092B-C50C-407E-A947-70E740481C1C}">
+                <a14:useLocalDpi xmlns:a14="http://schemas.microsoft.com/office/drawing/2010/main" val="0"/>
+              </a:ext>
+            </a:extLst>
+          </a:blip>
+          <a:srcRect/>
+          <a:stretch/>
+        </p:blipFill>
+        <p:spPr>
+          <a:xfrm>
+            <a:off x="785499" y="1554223"/>
+            <a:ext cx="10621002" cy="4521892"/>
+          </a:xfrm>
+          <a:prstGeom prst="rect">
+            <a:avLst/>
+          </a:prstGeom>
+        </p:spPr>
+      </p:pic>
+    </p:spTree>
+    <p:extLst>
+      <p:ext uri="{BB962C8B-B14F-4D97-AF65-F5344CB8AC3E}">
+        <p14:creationId xmlns:p14="http://schemas.microsoft.com/office/powerpoint/2010/main" val="4093901458"/>
+      </p:ext>
+    </p:extLst>
+  </p:cSld>
+  <p:clrMapOvr>
+    <a:masterClrMapping/>
+  </p:clrMapOvr>
+</p:sld>
+</file>
+
+<file path=ppt/slides/slide12.xml><?xml version="1.0" encoding="utf-8"?>
+<p:sld xmlns:a="http://schemas.openxmlformats.org/drawingml/2006/main" xmlns:r="http://schemas.openxmlformats.org/officeDocument/2006/relationships" xmlns:p="http://schemas.openxmlformats.org/presentationml/2006/main">
+  <p:cSld>
+    <p:spTree>
+      <p:nvGrpSpPr>
+        <p:cNvPr id="1" name=""/>
+        <p:cNvGrpSpPr/>
+        <p:nvPr/>
+      </p:nvGrpSpPr>
+      <p:grpSpPr>
+        <a:xfrm>
+          <a:off x="0" y="0"/>
+          <a:ext cx="0" cy="0"/>
+          <a:chOff x="0" y="0"/>
+          <a:chExt cx="0" cy="0"/>
+        </a:xfrm>
+      </p:grpSpPr>
+      <p:pic>
+        <p:nvPicPr>
+          <p:cNvPr id="7" name="Image 6">
+            <a:extLst>
+              <a:ext uri="{FF2B5EF4-FFF2-40B4-BE49-F238E27FC236}">
+                <a16:creationId xmlns:a16="http://schemas.microsoft.com/office/drawing/2014/main" id="{542405F3-984A-415A-AC50-8A9E1F38E6B5}"/>
+              </a:ext>
+            </a:extLst>
+          </p:cNvPr>
+          <p:cNvPicPr>
+            <a:picLocks noChangeAspect="1"/>
+          </p:cNvPicPr>
+          <p:nvPr/>
+        </p:nvPicPr>
+        <p:blipFill>
+          <a:blip r:embed="rId3">
+            <a:extLst>
+              <a:ext uri="{28A0092B-C50C-407E-A947-70E740481C1C}">
+                <a14:useLocalDpi xmlns:a14="http://schemas.microsoft.com/office/drawing/2010/main" val="0"/>
+              </a:ext>
+            </a:extLst>
+          </a:blip>
+          <a:stretch>
+            <a:fillRect/>
+          </a:stretch>
+        </p:blipFill>
+        <p:spPr>
+          <a:xfrm>
+            <a:off x="207449" y="102532"/>
+            <a:ext cx="799230" cy="799230"/>
+          </a:xfrm>
+          <a:prstGeom prst="rect">
+            <a:avLst/>
+          </a:prstGeom>
+        </p:spPr>
+      </p:pic>
+      <p:sp>
+        <p:nvSpPr>
+          <p:cNvPr id="4" name="ZoneTexte 3">
+            <a:extLst>
+              <a:ext uri="{FF2B5EF4-FFF2-40B4-BE49-F238E27FC236}">
+                <a16:creationId xmlns:a16="http://schemas.microsoft.com/office/drawing/2014/main" id="{64A95A07-1658-4B41-8A51-136C93B9279B}"/>
+              </a:ext>
+            </a:extLst>
+          </p:cNvPr>
+          <p:cNvSpPr txBox="1"/>
+          <p:nvPr/>
+        </p:nvSpPr>
+        <p:spPr>
+          <a:xfrm>
+            <a:off x="9436338" y="536625"/>
+            <a:ext cx="2273956" cy="461665"/>
+          </a:xfrm>
+          <a:prstGeom prst="rect">
+            <a:avLst/>
+          </a:prstGeom>
+          <a:noFill/>
+        </p:spPr>
+        <p:txBody>
+          <a:bodyPr wrap="none" rtlCol="0">
+            <a:spAutoFit/>
+          </a:bodyPr>
+          <a:lstStyle/>
+          <a:p>
+            <a:r>
+              <a:rPr lang="fr-CH" sz="2400" b="1" i="1" dirty="0">
+                <a:latin typeface="Helvetica LT Std" panose="020B0504020202020204" pitchFamily="34" charset="0"/>
+              </a:rPr>
+              <a:t>Paint Manager</a:t>
+            </a:r>
+          </a:p>
+        </p:txBody>
+      </p:sp>
+      <p:cxnSp>
+        <p:nvCxnSpPr>
+          <p:cNvPr id="6" name="Connecteur droit 5">
+            <a:extLst>
+              <a:ext uri="{FF2B5EF4-FFF2-40B4-BE49-F238E27FC236}">
+                <a16:creationId xmlns:a16="http://schemas.microsoft.com/office/drawing/2014/main" id="{B7E88062-DC49-4855-8F75-AD5C0CEF4E7E}"/>
+              </a:ext>
+            </a:extLst>
+          </p:cNvPr>
+          <p:cNvCxnSpPr/>
+          <p:nvPr/>
+        </p:nvCxnSpPr>
+        <p:spPr>
+          <a:xfrm>
+            <a:off x="207433" y="998290"/>
+            <a:ext cx="11453264" cy="0"/>
+          </a:xfrm>
+          <a:prstGeom prst="line">
+            <a:avLst/>
+          </a:prstGeom>
+          <a:ln>
+            <a:solidFill>
+              <a:srgbClr val="00A6DC"/>
+            </a:solidFill>
+          </a:ln>
+        </p:spPr>
+        <p:style>
+          <a:lnRef idx="1">
+            <a:schemeClr val="accent1"/>
+          </a:lnRef>
+          <a:fillRef idx="0">
+            <a:schemeClr val="accent1"/>
+          </a:fillRef>
+          <a:effectRef idx="0">
+            <a:schemeClr val="accent1"/>
+          </a:effectRef>
+          <a:fontRef idx="minor">
+            <a:schemeClr val="tx1"/>
+          </a:fontRef>
+        </p:style>
+      </p:cxnSp>
+      <p:sp>
+        <p:nvSpPr>
+          <p:cNvPr id="8" name="ZoneTexte 7">
+            <a:extLst>
+              <a:ext uri="{FF2B5EF4-FFF2-40B4-BE49-F238E27FC236}">
+                <a16:creationId xmlns:a16="http://schemas.microsoft.com/office/drawing/2014/main" id="{27A31B2F-F50F-4A70-8D96-2FCCC4D68D5E}"/>
+              </a:ext>
+            </a:extLst>
+          </p:cNvPr>
+          <p:cNvSpPr txBox="1"/>
+          <p:nvPr/>
+        </p:nvSpPr>
+        <p:spPr>
+          <a:xfrm>
+            <a:off x="4029537" y="2644170"/>
+            <a:ext cx="3809056" cy="1569660"/>
+          </a:xfrm>
+          <a:prstGeom prst="rect">
+            <a:avLst/>
+          </a:prstGeom>
+          <a:noFill/>
+        </p:spPr>
+        <p:txBody>
+          <a:bodyPr wrap="none" rtlCol="0">
+            <a:spAutoFit/>
+          </a:bodyPr>
+          <a:lstStyle/>
+          <a:p>
+            <a:r>
+              <a:rPr lang="fr-CH" sz="9600" b="1" i="1" dirty="0">
+                <a:solidFill>
+                  <a:srgbClr val="00A6DC"/>
+                </a:solidFill>
+                <a:latin typeface="Helvetica LT Std" panose="020B0504020202020204" pitchFamily="34" charset="0"/>
+              </a:rPr>
+              <a:t>DEMO</a:t>
+            </a:r>
+          </a:p>
+        </p:txBody>
+      </p:sp>
+    </p:spTree>
+    <p:extLst>
+      <p:ext uri="{BB962C8B-B14F-4D97-AF65-F5344CB8AC3E}">
+        <p14:creationId xmlns:p14="http://schemas.microsoft.com/office/powerpoint/2010/main" val="2458735871"/>
       </p:ext>
     </p:extLst>
   </p:cSld>
